--- a/demo/ppt/9_21報告.pptx
+++ b/demo/ppt/9_21報告.pptx
@@ -5,7 +5,7 @@
     <p:sldMasterId id="2147483659" r:id="rId1"/>
   </p:sldMasterIdLst>
   <p:notesMasterIdLst>
-    <p:notesMasterId r:id="rId14"/>
+    <p:notesMasterId r:id="rId13"/>
   </p:notesMasterIdLst>
   <p:sldIdLst>
     <p:sldId id="256" r:id="rId2"/>
@@ -18,30 +18,29 @@
     <p:sldId id="264" r:id="rId9"/>
     <p:sldId id="265" r:id="rId10"/>
     <p:sldId id="273" r:id="rId11"/>
-    <p:sldId id="274" r:id="rId12"/>
-    <p:sldId id="275" r:id="rId13"/>
+    <p:sldId id="275" r:id="rId12"/>
   </p:sldIdLst>
   <p:sldSz cx="9144000" cy="5143500" type="screen16x9"/>
   <p:notesSz cx="6858000" cy="9144000"/>
   <p:embeddedFontLst>
     <p:embeddedFont>
       <p:font typeface="微軟正黑體" pitchFamily="34" charset="-120"/>
-      <p:regular r:id="rId15"/>
-      <p:bold r:id="rId16"/>
+      <p:regular r:id="rId14"/>
+      <p:bold r:id="rId15"/>
     </p:embeddedFont>
     <p:embeddedFont>
       <p:font typeface="Montserrat" charset="0"/>
-      <p:regular r:id="rId17"/>
-      <p:bold r:id="rId18"/>
-      <p:italic r:id="rId19"/>
-      <p:boldItalic r:id="rId20"/>
+      <p:regular r:id="rId16"/>
+      <p:bold r:id="rId17"/>
+      <p:italic r:id="rId18"/>
+      <p:boldItalic r:id="rId19"/>
     </p:embeddedFont>
     <p:embeddedFont>
       <p:font typeface="Lato" charset="0"/>
-      <p:regular r:id="rId21"/>
-      <p:bold r:id="rId22"/>
-      <p:italic r:id="rId23"/>
-      <p:boldItalic r:id="rId24"/>
+      <p:regular r:id="rId20"/>
+      <p:bold r:id="rId21"/>
+      <p:italic r:id="rId22"/>
+      <p:boldItalic r:id="rId23"/>
     </p:embeddedFont>
   </p:embeddedFontLst>
   <p:defaultTextStyle>
@@ -275,7 +274,7 @@
   </p:defaultTextStyle>
   <p:extLst>
     <p:ext uri="{EFAFB233-063F-42B5-8137-9DF3F51BA10A}">
-      <p15:sldGuideLst xmlns:p15="http://schemas.microsoft.com/office/powerpoint/2012/main" xmlns="">
+      <p15:sldGuideLst xmlns="" xmlns:p15="http://schemas.microsoft.com/office/powerpoint/2012/main">
         <p15:guide id="1" orient="horz" pos="1620">
           <p15:clr>
             <a:srgbClr val="747775"/>
@@ -936,7 +935,7 @@
     </p:spTree>
     <p:extLst>
       <p:ext uri="{BB962C8B-B14F-4D97-AF65-F5344CB8AC3E}">
-        <p14:creationId xmlns:p14="http://schemas.microsoft.com/office/powerpoint/2010/main" xmlns="" val="388049102"/>
+        <p14:creationId xmlns="" xmlns:p14="http://schemas.microsoft.com/office/powerpoint/2010/main" val="388049102"/>
       </p:ext>
     </p:extLst>
   </p:cSld>
@@ -1045,116 +1044,7 @@
     </p:spTree>
     <p:extLst>
       <p:ext uri="{BB962C8B-B14F-4D97-AF65-F5344CB8AC3E}">
-        <p14:creationId xmlns:p14="http://schemas.microsoft.com/office/powerpoint/2010/main" xmlns="" val="388049102"/>
-      </p:ext>
-    </p:extLst>
-  </p:cSld>
-  <p:clrMapOvr>
-    <a:masterClrMapping/>
-  </p:clrMapOvr>
-</p:notes>
-</file>
-
-<file path=ppt/notesSlides/notesSlide12.xml><?xml version="1.0" encoding="utf-8"?>
-<p:notes xmlns:a="http://schemas.openxmlformats.org/drawingml/2006/main" xmlns:r="http://schemas.openxmlformats.org/officeDocument/2006/relationships" xmlns:p="http://schemas.openxmlformats.org/presentationml/2006/main" showMasterSp="0" showMasterPhAnim="0">
-  <p:cSld>
-    <p:spTree>
-      <p:nvGrpSpPr>
-        <p:cNvPr id="1" name="Shape 150"/>
-        <p:cNvGrpSpPr/>
-        <p:nvPr/>
-      </p:nvGrpSpPr>
-      <p:grpSpPr>
-        <a:xfrm>
-          <a:off x="0" y="0"/>
-          <a:ext cx="0" cy="0"/>
-          <a:chOff x="0" y="0"/>
-          <a:chExt cx="0" cy="0"/>
-        </a:xfrm>
-      </p:grpSpPr>
-      <p:sp>
-        <p:nvSpPr>
-          <p:cNvPr id="151" name="Google Shape;151;g281a2c4a295_0_219:notes"/>
-          <p:cNvSpPr>
-            <a:spLocks noGrp="1" noRot="1" noChangeAspect="1"/>
-          </p:cNvSpPr>
-          <p:nvPr>
-            <p:ph type="sldImg" idx="2"/>
-          </p:nvPr>
-        </p:nvSpPr>
-        <p:spPr>
-          <a:xfrm>
-            <a:off x="381000" y="685800"/>
-            <a:ext cx="6096000" cy="3429000"/>
-          </a:xfrm>
-          <a:custGeom>
-            <a:avLst/>
-            <a:gdLst/>
-            <a:ahLst/>
-            <a:cxnLst/>
-            <a:rect l="l" t="t" r="r" b="b"/>
-            <a:pathLst>
-              <a:path w="120000" h="120000" extrusionOk="0">
-                <a:moveTo>
-                  <a:pt x="0" y="0"/>
-                </a:moveTo>
-                <a:lnTo>
-                  <a:pt x="120000" y="0"/>
-                </a:lnTo>
-                <a:lnTo>
-                  <a:pt x="120000" y="120000"/>
-                </a:lnTo>
-                <a:lnTo>
-                  <a:pt x="0" y="120000"/>
-                </a:lnTo>
-                <a:close/>
-              </a:path>
-            </a:pathLst>
-          </a:custGeom>
-        </p:spPr>
-      </p:sp>
-      <p:sp>
-        <p:nvSpPr>
-          <p:cNvPr id="152" name="Google Shape;152;g281a2c4a295_0_219:notes"/>
-          <p:cNvSpPr txBox="1">
-            <a:spLocks noGrp="1"/>
-          </p:cNvSpPr>
-          <p:nvPr>
-            <p:ph type="body" idx="1"/>
-          </p:nvPr>
-        </p:nvSpPr>
-        <p:spPr>
-          <a:xfrm>
-            <a:off x="685800" y="4343400"/>
-            <a:ext cx="5486400" cy="4114800"/>
-          </a:xfrm>
-          <a:prstGeom prst="rect">
-            <a:avLst/>
-          </a:prstGeom>
-        </p:spPr>
-        <p:txBody>
-          <a:bodyPr spcFirstLastPara="1" wrap="square" lIns="91425" tIns="91425" rIns="91425" bIns="91425" anchor="t" anchorCtr="0">
-            <a:noAutofit/>
-          </a:bodyPr>
-          <a:lstStyle/>
-          <a:p>
-            <a:pPr marL="0" lvl="0" indent="0" algn="l" rtl="0">
-              <a:spcBef>
-                <a:spcPts val="0"/>
-              </a:spcBef>
-              <a:spcAft>
-                <a:spcPts val="0"/>
-              </a:spcAft>
-              <a:buNone/>
-            </a:pPr>
-            <a:endParaRPr dirty="0"/>
-          </a:p>
-        </p:txBody>
-      </p:sp>
-    </p:spTree>
-    <p:extLst>
-      <p:ext uri="{BB962C8B-B14F-4D97-AF65-F5344CB8AC3E}">
-        <p14:creationId xmlns:p14="http://schemas.microsoft.com/office/powerpoint/2010/main" xmlns="" val="388049102"/>
+        <p14:creationId xmlns="" xmlns:p14="http://schemas.microsoft.com/office/powerpoint/2010/main" val="388049102"/>
       </p:ext>
     </p:extLst>
   </p:cSld>
@@ -1263,7 +1153,7 @@
     </p:spTree>
     <p:extLst>
       <p:ext uri="{BB962C8B-B14F-4D97-AF65-F5344CB8AC3E}">
-        <p14:creationId xmlns:p14="http://schemas.microsoft.com/office/powerpoint/2010/main" xmlns="" val="562093174"/>
+        <p14:creationId xmlns="" xmlns:p14="http://schemas.microsoft.com/office/powerpoint/2010/main" val="562093174"/>
       </p:ext>
     </p:extLst>
   </p:cSld>
@@ -1476,7 +1366,7 @@
     </p:spTree>
     <p:extLst>
       <p:ext uri="{BB962C8B-B14F-4D97-AF65-F5344CB8AC3E}">
-        <p14:creationId xmlns:p14="http://schemas.microsoft.com/office/powerpoint/2010/main" xmlns="" val="1380468489"/>
+        <p14:creationId xmlns="" xmlns:p14="http://schemas.microsoft.com/office/powerpoint/2010/main" val="1380468489"/>
       </p:ext>
     </p:extLst>
   </p:cSld>
@@ -1585,7 +1475,7 @@
     </p:spTree>
     <p:extLst>
       <p:ext uri="{BB962C8B-B14F-4D97-AF65-F5344CB8AC3E}">
-        <p14:creationId xmlns:p14="http://schemas.microsoft.com/office/powerpoint/2010/main" xmlns="" val="2194688822"/>
+        <p14:creationId xmlns="" xmlns:p14="http://schemas.microsoft.com/office/powerpoint/2010/main" val="2194688822"/>
       </p:ext>
     </p:extLst>
   </p:cSld>
@@ -1694,7 +1584,7 @@
     </p:spTree>
     <p:extLst>
       <p:ext uri="{BB962C8B-B14F-4D97-AF65-F5344CB8AC3E}">
-        <p14:creationId xmlns:p14="http://schemas.microsoft.com/office/powerpoint/2010/main" xmlns="" val="2235868240"/>
+        <p14:creationId xmlns="" xmlns:p14="http://schemas.microsoft.com/office/powerpoint/2010/main" val="2235868240"/>
       </p:ext>
     </p:extLst>
   </p:cSld>
@@ -1803,7 +1693,7 @@
     </p:spTree>
     <p:extLst>
       <p:ext uri="{BB962C8B-B14F-4D97-AF65-F5344CB8AC3E}">
-        <p14:creationId xmlns:p14="http://schemas.microsoft.com/office/powerpoint/2010/main" xmlns="" val="2095168126"/>
+        <p14:creationId xmlns="" xmlns:p14="http://schemas.microsoft.com/office/powerpoint/2010/main" val="2095168126"/>
       </p:ext>
     </p:extLst>
   </p:cSld>
@@ -1912,7 +1802,7 @@
     </p:spTree>
     <p:extLst>
       <p:ext uri="{BB962C8B-B14F-4D97-AF65-F5344CB8AC3E}">
-        <p14:creationId xmlns:p14="http://schemas.microsoft.com/office/powerpoint/2010/main" xmlns="" val="1123374178"/>
+        <p14:creationId xmlns="" xmlns:p14="http://schemas.microsoft.com/office/powerpoint/2010/main" val="1123374178"/>
       </p:ext>
     </p:extLst>
   </p:cSld>
@@ -2021,7 +1911,7 @@
     </p:spTree>
     <p:extLst>
       <p:ext uri="{BB962C8B-B14F-4D97-AF65-F5344CB8AC3E}">
-        <p14:creationId xmlns:p14="http://schemas.microsoft.com/office/powerpoint/2010/main" xmlns="" val="388049102"/>
+        <p14:creationId xmlns="" xmlns:p14="http://schemas.microsoft.com/office/powerpoint/2010/main" val="388049102"/>
       </p:ext>
     </p:extLst>
   </p:cSld>
@@ -10890,7 +10780,7 @@
     </p:spTree>
     <p:extLst>
       <p:ext uri="{BB962C8B-B14F-4D97-AF65-F5344CB8AC3E}">
-        <p14:creationId xmlns:p14="http://schemas.microsoft.com/office/powerpoint/2010/main" xmlns="" val="964592908"/>
+        <p14:creationId xmlns="" xmlns:p14="http://schemas.microsoft.com/office/powerpoint/2010/main" val="964592908"/>
       </p:ext>
     </p:extLst>
   </p:cSld>
@@ -10909,559 +10799,6 @@
 </file>
 
 <file path=ppt/slides/slide11.xml><?xml version="1.0" encoding="utf-8"?>
-<p:sld xmlns:a="http://schemas.openxmlformats.org/drawingml/2006/main" xmlns:r="http://schemas.openxmlformats.org/officeDocument/2006/relationships" xmlns:p="http://schemas.openxmlformats.org/presentationml/2006/main">
-  <p:cSld>
-    <p:spTree>
-      <p:nvGrpSpPr>
-        <p:cNvPr id="1" name="Shape 153"/>
-        <p:cNvGrpSpPr/>
-        <p:nvPr/>
-      </p:nvGrpSpPr>
-      <p:grpSpPr>
-        <a:xfrm>
-          <a:off x="0" y="0"/>
-          <a:ext cx="0" cy="0"/>
-          <a:chOff x="0" y="0"/>
-          <a:chExt cx="0" cy="0"/>
-        </a:xfrm>
-      </p:grpSpPr>
-      <p:sp>
-        <p:nvSpPr>
-          <p:cNvPr id="154" name="Google Shape;154;p16"/>
-          <p:cNvSpPr txBox="1">
-            <a:spLocks noGrp="1"/>
-          </p:cNvSpPr>
-          <p:nvPr>
-            <p:ph type="title"/>
-          </p:nvPr>
-        </p:nvSpPr>
-        <p:spPr>
-          <a:xfrm>
-            <a:off x="1297500" y="393750"/>
-            <a:ext cx="7038900" cy="914100"/>
-          </a:xfrm>
-          <a:prstGeom prst="rect">
-            <a:avLst/>
-          </a:prstGeom>
-        </p:spPr>
-        <p:txBody>
-          <a:bodyPr spcFirstLastPara="1" wrap="square" lIns="91425" tIns="91425" rIns="91425" bIns="91425" anchor="t" anchorCtr="0">
-            <a:normAutofit fontScale="90000"/>
-          </a:bodyPr>
-          <a:lstStyle/>
-          <a:p>
-            <a:pPr lvl="0">
-              <a:lnSpc>
-                <a:spcPct val="115000"/>
-              </a:lnSpc>
-              <a:spcBef>
-                <a:spcPts val="1800"/>
-              </a:spcBef>
-            </a:pPr>
-            <a:r>
-              <a:rPr lang="zh-TW" altLang="en-US" sz="3133" b="1" dirty="0" smtClean="0">
-                <a:solidFill>
-                  <a:schemeClr val="bg1"/>
-                </a:solidFill>
-                <a:uFill>
-                  <a:noFill/>
-                </a:uFill>
-                <a:latin typeface="微軟正黑體" pitchFamily="34" charset="-120"/>
-                <a:ea typeface="微軟正黑體" pitchFamily="34" charset="-120"/>
-                <a:cs typeface="Arial"/>
-                <a:sym typeface="Arial"/>
-              </a:rPr>
-              <a:t>指令（</a:t>
-            </a:r>
-            <a:r>
-              <a:rPr lang="en-US" altLang="zh-TW" sz="3133" b="1" dirty="0" smtClean="0">
-                <a:solidFill>
-                  <a:schemeClr val="bg1"/>
-                </a:solidFill>
-                <a:uFill>
-                  <a:noFill/>
-                </a:uFill>
-                <a:latin typeface="微軟正黑體" pitchFamily="34" charset="-120"/>
-                <a:ea typeface="微軟正黑體" pitchFamily="34" charset="-120"/>
-                <a:cs typeface="Arial"/>
-                <a:sym typeface="Arial"/>
-              </a:rPr>
-              <a:t>Directive</a:t>
-            </a:r>
-            <a:r>
-              <a:rPr lang="zh-TW" altLang="en-US" sz="3133" b="1" dirty="0" smtClean="0">
-                <a:solidFill>
-                  <a:schemeClr val="bg1"/>
-                </a:solidFill>
-                <a:uFill>
-                  <a:noFill/>
-                </a:uFill>
-                <a:latin typeface="微軟正黑體" pitchFamily="34" charset="-120"/>
-                <a:ea typeface="微軟正黑體" pitchFamily="34" charset="-120"/>
-                <a:cs typeface="Arial"/>
-                <a:sym typeface="Arial"/>
-              </a:rPr>
-              <a:t>）</a:t>
-            </a:r>
-            <a:endParaRPr dirty="0">
-              <a:latin typeface="微軟正黑體" pitchFamily="34" charset="-120"/>
-              <a:ea typeface="微軟正黑體" pitchFamily="34" charset="-120"/>
-            </a:endParaRPr>
-          </a:p>
-        </p:txBody>
-      </p:sp>
-      <p:sp>
-        <p:nvSpPr>
-          <p:cNvPr id="155" name="Google Shape;155;p16"/>
-          <p:cNvSpPr txBox="1">
-            <a:spLocks noGrp="1"/>
-          </p:cNvSpPr>
-          <p:nvPr>
-            <p:ph type="body" idx="1"/>
-          </p:nvPr>
-        </p:nvSpPr>
-        <p:spPr>
-          <a:xfrm>
-            <a:off x="1102995" y="1176529"/>
-            <a:ext cx="3592830" cy="3302222"/>
-          </a:xfrm>
-          <a:prstGeom prst="rect">
-            <a:avLst/>
-          </a:prstGeom>
-        </p:spPr>
-        <p:txBody>
-          <a:bodyPr spcFirstLastPara="1" wrap="square" lIns="91425" tIns="91425" rIns="91425" bIns="91425" anchor="t" anchorCtr="0">
-            <a:normAutofit/>
-          </a:bodyPr>
-          <a:lstStyle/>
-          <a:p>
-            <a:pPr marL="342900" indent="-342900"/>
-            <a:r>
-              <a:rPr lang="zh-TW" altLang="en-US" sz="1800" dirty="0" smtClean="0">
-                <a:latin typeface="微軟正黑體" pitchFamily="34" charset="-120"/>
-                <a:ea typeface="微軟正黑體" pitchFamily="34" charset="-120"/>
-                <a:cs typeface="Arial"/>
-                <a:sym typeface="Arial"/>
-              </a:rPr>
-              <a:t>結構型－</a:t>
-            </a:r>
-            <a:endParaRPr lang="en-US" altLang="zh-TW" sz="1800" dirty="0" smtClean="0">
-              <a:latin typeface="微軟正黑體" pitchFamily="34" charset="-120"/>
-              <a:ea typeface="微軟正黑體" pitchFamily="34" charset="-120"/>
-              <a:cs typeface="Arial"/>
-              <a:sym typeface="Arial"/>
-            </a:endParaRPr>
-          </a:p>
-          <a:p>
-            <a:pPr marL="0" indent="-342900">
-              <a:buNone/>
-            </a:pPr>
-            <a:r>
-              <a:rPr lang="zh-TW" altLang="en-US" sz="1800" dirty="0" smtClean="0">
-                <a:latin typeface="微軟正黑體" pitchFamily="34" charset="-120"/>
-                <a:ea typeface="微軟正黑體" pitchFamily="34" charset="-120"/>
-                <a:cs typeface="Arial"/>
-                <a:sym typeface="Arial"/>
-              </a:rPr>
-              <a:t>透過新增、刪除或是取代 </a:t>
-            </a:r>
-            <a:r>
-              <a:rPr lang="en-US" altLang="zh-TW" sz="1800" dirty="0" smtClean="0">
-                <a:latin typeface="微軟正黑體" pitchFamily="34" charset="-120"/>
-                <a:ea typeface="微軟正黑體" pitchFamily="34" charset="-120"/>
-                <a:cs typeface="Arial"/>
-                <a:sym typeface="Arial"/>
-              </a:rPr>
-              <a:t>DOM</a:t>
-            </a:r>
-            <a:r>
-              <a:rPr lang="zh-TW" altLang="en-US" sz="1800" dirty="0" smtClean="0">
-                <a:latin typeface="微軟正黑體" pitchFamily="34" charset="-120"/>
-                <a:ea typeface="微軟正黑體" pitchFamily="34" charset="-120"/>
-                <a:cs typeface="Arial"/>
-                <a:sym typeface="Arial"/>
-              </a:rPr>
-              <a:t>中的元素來更改 </a:t>
-            </a:r>
-            <a:r>
-              <a:rPr lang="en-US" altLang="zh-TW" sz="1800" dirty="0" smtClean="0">
-                <a:latin typeface="微軟正黑體" pitchFamily="34" charset="-120"/>
-                <a:ea typeface="微軟正黑體" pitchFamily="34" charset="-120"/>
-                <a:cs typeface="Arial"/>
-                <a:sym typeface="Arial"/>
-              </a:rPr>
-              <a:t>Layout</a:t>
-            </a:r>
-            <a:r>
-              <a:rPr lang="zh-TW" altLang="en-US" sz="1800" dirty="0" smtClean="0">
-                <a:latin typeface="微軟正黑體" pitchFamily="34" charset="-120"/>
-                <a:ea typeface="微軟正黑體" pitchFamily="34" charset="-120"/>
-                <a:cs typeface="Arial"/>
-                <a:sym typeface="Arial"/>
-              </a:rPr>
-              <a:t>。</a:t>
-            </a:r>
-            <a:endParaRPr lang="en-US" altLang="zh-TW" sz="1800" dirty="0" smtClean="0">
-              <a:latin typeface="微軟正黑體" pitchFamily="34" charset="-120"/>
-              <a:ea typeface="微軟正黑體" pitchFamily="34" charset="-120"/>
-              <a:cs typeface="Arial"/>
-              <a:sym typeface="Arial"/>
-            </a:endParaRPr>
-          </a:p>
-          <a:p>
-            <a:pPr marL="0" indent="-342900">
-              <a:buNone/>
-            </a:pPr>
-            <a:r>
-              <a:rPr lang="zh-TW" altLang="en-US" sz="1800" dirty="0" smtClean="0">
-                <a:latin typeface="微軟正黑體" pitchFamily="34" charset="-120"/>
-                <a:ea typeface="微軟正黑體" pitchFamily="34" charset="-120"/>
-                <a:cs typeface="Arial"/>
-                <a:sym typeface="Arial"/>
-              </a:rPr>
-              <a:t>例如 </a:t>
-            </a:r>
-            <a:r>
-              <a:rPr lang="en-US" altLang="zh-TW" sz="1800" dirty="0" smtClean="0">
-                <a:latin typeface="微軟正黑體" pitchFamily="34" charset="-120"/>
-                <a:ea typeface="微軟正黑體" pitchFamily="34" charset="-120"/>
-                <a:cs typeface="Arial"/>
-                <a:sym typeface="Arial"/>
-              </a:rPr>
-              <a:t>:</a:t>
-            </a:r>
-            <a:r>
-              <a:rPr lang="zh-TW" altLang="en-US" sz="1800" dirty="0" smtClean="0">
-                <a:latin typeface="微軟正黑體" pitchFamily="34" charset="-120"/>
-                <a:ea typeface="微軟正黑體" pitchFamily="34" charset="-120"/>
-                <a:cs typeface="Arial"/>
-                <a:sym typeface="Arial"/>
-              </a:rPr>
-              <a:t>  *</a:t>
-            </a:r>
-            <a:r>
-              <a:rPr lang="en-US" altLang="zh-TW" sz="1800" dirty="0" err="1" smtClean="0">
-                <a:latin typeface="微軟正黑體" pitchFamily="34" charset="-120"/>
-                <a:ea typeface="微軟正黑體" pitchFamily="34" charset="-120"/>
-                <a:cs typeface="Arial"/>
-                <a:sym typeface="Arial"/>
-              </a:rPr>
-              <a:t>ngFor</a:t>
-            </a:r>
-            <a:r>
-              <a:rPr lang="zh-TW" altLang="en-US" sz="1800" dirty="0" smtClean="0">
-                <a:latin typeface="微軟正黑體" pitchFamily="34" charset="-120"/>
-                <a:ea typeface="微軟正黑體" pitchFamily="34" charset="-120"/>
-                <a:cs typeface="Arial"/>
-                <a:sym typeface="Arial"/>
-              </a:rPr>
-              <a:t>、</a:t>
-            </a:r>
-            <a:r>
-              <a:rPr lang="en-US" altLang="zh-TW" sz="1800" dirty="0" smtClean="0">
-                <a:latin typeface="微軟正黑體" pitchFamily="34" charset="-120"/>
-                <a:ea typeface="微軟正黑體" pitchFamily="34" charset="-120"/>
-                <a:cs typeface="Arial"/>
-                <a:sym typeface="Arial"/>
-              </a:rPr>
-              <a:t>*</a:t>
-            </a:r>
-            <a:r>
-              <a:rPr lang="en-US" altLang="zh-TW" sz="1800" dirty="0" err="1" smtClean="0">
-                <a:latin typeface="微軟正黑體" pitchFamily="34" charset="-120"/>
-                <a:ea typeface="微軟正黑體" pitchFamily="34" charset="-120"/>
-                <a:cs typeface="Arial"/>
-                <a:sym typeface="Arial"/>
-              </a:rPr>
-              <a:t>ngIf</a:t>
-            </a:r>
-            <a:endParaRPr lang="en-US" altLang="zh-TW" sz="1800" dirty="0" smtClean="0">
-              <a:latin typeface="微軟正黑體" pitchFamily="34" charset="-120"/>
-              <a:ea typeface="微軟正黑體" pitchFamily="34" charset="-120"/>
-              <a:cs typeface="Arial"/>
-              <a:sym typeface="Arial"/>
-            </a:endParaRPr>
-          </a:p>
-          <a:p>
-            <a:pPr marL="0" indent="-342900">
-              <a:buNone/>
-            </a:pPr>
-            <a:endParaRPr lang="en-US" altLang="zh-TW" sz="1800" dirty="0" smtClean="0">
-              <a:latin typeface="微軟正黑體" pitchFamily="34" charset="-120"/>
-              <a:ea typeface="微軟正黑體" pitchFamily="34" charset="-120"/>
-              <a:cs typeface="Arial"/>
-              <a:sym typeface="Arial"/>
-            </a:endParaRPr>
-          </a:p>
-        </p:txBody>
-      </p:sp>
-      <p:sp>
-        <p:nvSpPr>
-          <p:cNvPr id="11" name="Google Shape;155;p16"/>
-          <p:cNvSpPr txBox="1">
-            <a:spLocks/>
-          </p:cNvSpPr>
-          <p:nvPr/>
-        </p:nvSpPr>
-        <p:spPr>
-          <a:xfrm>
-            <a:off x="4855844" y="1128904"/>
-            <a:ext cx="3430905" cy="3302222"/>
-          </a:xfrm>
-          <a:prstGeom prst="rect">
-            <a:avLst/>
-          </a:prstGeom>
-          <a:noFill/>
-          <a:ln>
-            <a:noFill/>
-          </a:ln>
-        </p:spPr>
-        <p:txBody>
-          <a:bodyPr spcFirstLastPara="1" wrap="square" lIns="91425" tIns="91425" rIns="91425" bIns="91425" anchor="t" anchorCtr="0">
-            <a:normAutofit/>
-          </a:bodyPr>
-          <a:lstStyle/>
-          <a:p>
-            <a:pPr marL="342900" marR="0" lvl="0" indent="-342900" algn="l" defTabSz="914400" rtl="0" eaLnBrk="1" fontAlgn="auto" latinLnBrk="0" hangingPunct="1">
-              <a:lnSpc>
-                <a:spcPct val="115000"/>
-              </a:lnSpc>
-              <a:spcBef>
-                <a:spcPts val="0"/>
-              </a:spcBef>
-              <a:spcAft>
-                <a:spcPts val="0"/>
-              </a:spcAft>
-              <a:buClr>
-                <a:schemeClr val="lt1"/>
-              </a:buClr>
-              <a:buSzPts val="1300"/>
-              <a:buFont typeface="Lato"/>
-              <a:buChar char="●"/>
-              <a:tabLst/>
-              <a:defRPr/>
-            </a:pPr>
-            <a:r>
-              <a:rPr kumimoji="0" lang="zh-TW" altLang="en-US" sz="1800" b="0" i="0" u="none" strike="noStrike" kern="0" cap="none" spc="0" normalizeH="0" baseline="0" noProof="0" dirty="0" smtClean="0">
-                <a:ln>
-                  <a:noFill/>
-                </a:ln>
-                <a:solidFill>
-                  <a:schemeClr val="lt1"/>
-                </a:solidFill>
-                <a:effectLst/>
-                <a:uLnTx/>
-                <a:uFillTx/>
-                <a:latin typeface="微軟正黑體" pitchFamily="34" charset="-120"/>
-                <a:ea typeface="微軟正黑體" pitchFamily="34" charset="-120"/>
-                <a:cs typeface="Arial"/>
-                <a:sym typeface="Arial"/>
-              </a:rPr>
-              <a:t>屬性型－</a:t>
-            </a:r>
-            <a:endParaRPr kumimoji="0" lang="en-US" altLang="zh-TW" sz="1800" b="0" i="0" u="none" strike="noStrike" kern="0" cap="none" spc="0" normalizeH="0" baseline="0" noProof="0" dirty="0" smtClean="0">
-              <a:ln>
-                <a:noFill/>
-              </a:ln>
-              <a:solidFill>
-                <a:schemeClr val="lt1"/>
-              </a:solidFill>
-              <a:effectLst/>
-              <a:uLnTx/>
-              <a:uFillTx/>
-              <a:latin typeface="微軟正黑體" pitchFamily="34" charset="-120"/>
-              <a:ea typeface="微軟正黑體" pitchFamily="34" charset="-120"/>
-              <a:cs typeface="Arial"/>
-              <a:sym typeface="Arial"/>
-            </a:endParaRPr>
-          </a:p>
-          <a:p>
-            <a:pPr marL="342900" lvl="0" indent="-342900">
-              <a:lnSpc>
-                <a:spcPct val="115000"/>
-              </a:lnSpc>
-              <a:buClr>
-                <a:schemeClr val="lt1"/>
-              </a:buClr>
-              <a:buSzPts val="1300"/>
-            </a:pPr>
-            <a:r>
-              <a:rPr lang="zh-TW" altLang="en-US" sz="1800" dirty="0" smtClean="0">
-                <a:solidFill>
-                  <a:schemeClr val="lt1"/>
-                </a:solidFill>
-                <a:latin typeface="微軟正黑體" pitchFamily="34" charset="-120"/>
-                <a:ea typeface="微軟正黑體" pitchFamily="34" charset="-120"/>
-              </a:rPr>
-              <a:t>更改現有元素的外觀或行為</a:t>
-            </a:r>
-            <a:endParaRPr lang="en-US" altLang="zh-TW" sz="1800" dirty="0" smtClean="0">
-              <a:solidFill>
-                <a:schemeClr val="lt1"/>
-              </a:solidFill>
-              <a:latin typeface="微軟正黑體" pitchFamily="34" charset="-120"/>
-              <a:ea typeface="微軟正黑體" pitchFamily="34" charset="-120"/>
-            </a:endParaRPr>
-          </a:p>
-          <a:p>
-            <a:pPr marL="342900" lvl="0" indent="-342900">
-              <a:lnSpc>
-                <a:spcPct val="115000"/>
-              </a:lnSpc>
-              <a:buClr>
-                <a:schemeClr val="lt1"/>
-              </a:buClr>
-              <a:buSzPts val="1300"/>
-            </a:pPr>
-            <a:r>
-              <a:rPr lang="zh-TW" altLang="en-US" sz="1800" dirty="0" smtClean="0">
-                <a:solidFill>
-                  <a:schemeClr val="lt1"/>
-                </a:solidFill>
-                <a:latin typeface="微軟正黑體" pitchFamily="34" charset="-120"/>
-                <a:ea typeface="微軟正黑體" pitchFamily="34" charset="-120"/>
-              </a:rPr>
-              <a:t> </a:t>
-            </a:r>
-            <a:endParaRPr kumimoji="0" lang="en-US" altLang="zh-TW" sz="1800" b="0" i="0" u="none" strike="noStrike" kern="0" cap="none" spc="0" normalizeH="0" baseline="0" noProof="0" dirty="0">
-              <a:ln>
-                <a:noFill/>
-              </a:ln>
-              <a:solidFill>
-                <a:schemeClr val="lt1"/>
-              </a:solidFill>
-              <a:effectLst/>
-              <a:uLnTx/>
-              <a:uFillTx/>
-              <a:latin typeface="微軟正黑體" pitchFamily="34" charset="-120"/>
-              <a:ea typeface="微軟正黑體" pitchFamily="34" charset="-120"/>
-              <a:cs typeface="Arial"/>
-              <a:sym typeface="Arial"/>
-            </a:endParaRPr>
-          </a:p>
-        </p:txBody>
-      </p:sp>
-      <p:pic>
-        <p:nvPicPr>
-          <p:cNvPr id="6146" name="Picture 2"/>
-          <p:cNvPicPr>
-            <a:picLocks noChangeAspect="1" noChangeArrowheads="1"/>
-          </p:cNvPicPr>
-          <p:nvPr/>
-        </p:nvPicPr>
-        <p:blipFill>
-          <a:blip r:embed="rId3"/>
-          <a:srcRect/>
-          <a:stretch>
-            <a:fillRect/>
-          </a:stretch>
-        </p:blipFill>
-        <p:spPr bwMode="auto">
-          <a:xfrm>
-            <a:off x="314325" y="2957513"/>
-            <a:ext cx="4286250" cy="619125"/>
-          </a:xfrm>
-          <a:prstGeom prst="rect">
-            <a:avLst/>
-          </a:prstGeom>
-          <a:noFill/>
-          <a:ln w="9525">
-            <a:noFill/>
-            <a:miter lim="800000"/>
-            <a:headEnd/>
-            <a:tailEnd/>
-          </a:ln>
-          <a:effectLst/>
-        </p:spPr>
-      </p:pic>
-      <p:pic>
-        <p:nvPicPr>
-          <p:cNvPr id="12" name="Picture 3"/>
-          <p:cNvPicPr>
-            <a:picLocks noChangeAspect="1" noChangeArrowheads="1"/>
-          </p:cNvPicPr>
-          <p:nvPr/>
-        </p:nvPicPr>
-        <p:blipFill>
-          <a:blip r:embed="rId4"/>
-          <a:srcRect/>
-          <a:stretch>
-            <a:fillRect/>
-          </a:stretch>
-        </p:blipFill>
-        <p:spPr bwMode="auto">
-          <a:xfrm>
-            <a:off x="4813935" y="2755583"/>
-            <a:ext cx="3924300" cy="1285875"/>
-          </a:xfrm>
-          <a:prstGeom prst="rect">
-            <a:avLst/>
-          </a:prstGeom>
-          <a:noFill/>
-          <a:ln w="9525">
-            <a:noFill/>
-            <a:miter lim="800000"/>
-            <a:headEnd/>
-            <a:tailEnd/>
-          </a:ln>
-          <a:effectLst/>
-        </p:spPr>
-      </p:pic>
-      <p:pic>
-        <p:nvPicPr>
-          <p:cNvPr id="1026" name="Picture 2"/>
-          <p:cNvPicPr>
-            <a:picLocks noChangeAspect="1" noChangeArrowheads="1"/>
-          </p:cNvPicPr>
-          <p:nvPr/>
-        </p:nvPicPr>
-        <p:blipFill>
-          <a:blip r:embed="rId5"/>
-          <a:srcRect/>
-          <a:stretch>
-            <a:fillRect/>
-          </a:stretch>
-        </p:blipFill>
-        <p:spPr bwMode="auto">
-          <a:xfrm>
-            <a:off x="142875" y="4133850"/>
-            <a:ext cx="4552950" cy="266700"/>
-          </a:xfrm>
-          <a:prstGeom prst="rect">
-            <a:avLst/>
-          </a:prstGeom>
-          <a:noFill/>
-          <a:ln w="9525">
-            <a:noFill/>
-            <a:miter lim="800000"/>
-            <a:headEnd/>
-            <a:tailEnd/>
-          </a:ln>
-          <a:effectLst/>
-        </p:spPr>
-      </p:pic>
-    </p:spTree>
-    <p:extLst>
-      <p:ext uri="{BB962C8B-B14F-4D97-AF65-F5344CB8AC3E}">
-        <p14:creationId xmlns:p14="http://schemas.microsoft.com/office/powerpoint/2010/main" xmlns="" val="964592908"/>
-      </p:ext>
-    </p:extLst>
-  </p:cSld>
-  <p:clrMapOvr>
-    <a:masterClrMapping/>
-  </p:clrMapOvr>
-  <p:transition/>
-  <p:timing>
-    <p:tnLst>
-      <p:par>
-        <p:cTn id="1" dur="indefinite" restart="never" nodeType="tmRoot"/>
-      </p:par>
-    </p:tnLst>
-  </p:timing>
-</p:sld>
-</file>
-
-<file path=ppt/slides/slide12.xml><?xml version="1.0" encoding="utf-8"?>
 <p:sld xmlns:a="http://schemas.openxmlformats.org/drawingml/2006/main" xmlns:r="http://schemas.openxmlformats.org/officeDocument/2006/relationships" xmlns:p="http://schemas.openxmlformats.org/presentationml/2006/main" show="0">
   <p:cSld>
     <p:spTree>
@@ -11651,7 +10988,7 @@
     </p:spTree>
     <p:extLst>
       <p:ext uri="{BB962C8B-B14F-4D97-AF65-F5344CB8AC3E}">
-        <p14:creationId xmlns:p14="http://schemas.microsoft.com/office/powerpoint/2010/main" xmlns="" val="964592908"/>
+        <p14:creationId xmlns="" xmlns:p14="http://schemas.microsoft.com/office/powerpoint/2010/main" val="964592908"/>
       </p:ext>
     </p:extLst>
   </p:cSld>
@@ -11847,7 +11184,7 @@
           <p:cNvPr id="6" name="Google Shape;155;p16">
             <a:extLst>
               <a:ext uri="{FF2B5EF4-FFF2-40B4-BE49-F238E27FC236}">
-                <a16:creationId xmlns:a16="http://schemas.microsoft.com/office/drawing/2014/main" xmlns="" id="{2E8D1901-2F20-4C6B-A25F-D52825AB6A74}"/>
+                <a16:creationId xmlns="" xmlns:a16="http://schemas.microsoft.com/office/drawing/2014/main" id="{2E8D1901-2F20-4C6B-A25F-D52825AB6A74}"/>
               </a:ext>
             </a:extLst>
           </p:cNvPr>
@@ -12471,7 +11808,7 @@
           <p:cNvPr id="8" name="Google Shape;155;p16">
             <a:extLst>
               <a:ext uri="{FF2B5EF4-FFF2-40B4-BE49-F238E27FC236}">
-                <a16:creationId xmlns:a16="http://schemas.microsoft.com/office/drawing/2014/main" xmlns="" id="{DB821A70-3605-4CE4-9EE6-DDA1E4ADCFEF}"/>
+                <a16:creationId xmlns="" xmlns:a16="http://schemas.microsoft.com/office/drawing/2014/main" id="{DB821A70-3605-4CE4-9EE6-DDA1E4ADCFEF}"/>
               </a:ext>
             </a:extLst>
           </p:cNvPr>
@@ -12838,7 +12175,7 @@
     </p:spTree>
     <p:extLst>
       <p:ext uri="{BB962C8B-B14F-4D97-AF65-F5344CB8AC3E}">
-        <p14:creationId xmlns:p14="http://schemas.microsoft.com/office/powerpoint/2010/main" xmlns="" val="2332686678"/>
+        <p14:creationId xmlns="" xmlns:p14="http://schemas.microsoft.com/office/powerpoint/2010/main" val="2332686678"/>
       </p:ext>
     </p:extLst>
   </p:cSld>
@@ -13625,7 +12962,7 @@
     </p:spTree>
     <p:extLst>
       <p:ext uri="{BB962C8B-B14F-4D97-AF65-F5344CB8AC3E}">
-        <p14:creationId xmlns:p14="http://schemas.microsoft.com/office/powerpoint/2010/main" xmlns="" val="904649997"/>
+        <p14:creationId xmlns="" xmlns:p14="http://schemas.microsoft.com/office/powerpoint/2010/main" val="904649997"/>
       </p:ext>
     </p:extLst>
   </p:cSld>
@@ -14101,7 +13438,7 @@
     </p:spTree>
     <p:extLst>
       <p:ext uri="{BB962C8B-B14F-4D97-AF65-F5344CB8AC3E}">
-        <p14:creationId xmlns:p14="http://schemas.microsoft.com/office/powerpoint/2010/main" xmlns="" val="2436618915"/>
+        <p14:creationId xmlns="" xmlns:p14="http://schemas.microsoft.com/office/powerpoint/2010/main" val="2436618915"/>
       </p:ext>
     </p:extLst>
   </p:cSld>
@@ -14445,7 +13782,7 @@
           <p:cNvPr id="3" name="圖片 2">
             <a:extLst>
               <a:ext uri="{FF2B5EF4-FFF2-40B4-BE49-F238E27FC236}">
-                <a16:creationId xmlns:a16="http://schemas.microsoft.com/office/drawing/2014/main" xmlns="" id="{7D11E512-FC0C-45CA-8CD1-6CC75C5BD151}"/>
+                <a16:creationId xmlns="" xmlns:a16="http://schemas.microsoft.com/office/drawing/2014/main" id="{7D11E512-FC0C-45CA-8CD1-6CC75C5BD151}"/>
               </a:ext>
             </a:extLst>
           </p:cNvPr>
@@ -14475,7 +13812,7 @@
           <p:cNvPr id="4" name="圖片 3">
             <a:extLst>
               <a:ext uri="{FF2B5EF4-FFF2-40B4-BE49-F238E27FC236}">
-                <a16:creationId xmlns:a16="http://schemas.microsoft.com/office/drawing/2014/main" xmlns="" id="{C7CFC032-2CC4-4A5F-9A3D-26C8E26B9FB2}"/>
+                <a16:creationId xmlns="" xmlns:a16="http://schemas.microsoft.com/office/drawing/2014/main" id="{C7CFC032-2CC4-4A5F-9A3D-26C8E26B9FB2}"/>
               </a:ext>
             </a:extLst>
           </p:cNvPr>
@@ -14505,7 +13842,7 @@
           <p:cNvPr id="5" name="箭號: 向右 4">
             <a:extLst>
               <a:ext uri="{FF2B5EF4-FFF2-40B4-BE49-F238E27FC236}">
-                <a16:creationId xmlns:a16="http://schemas.microsoft.com/office/drawing/2014/main" xmlns="" id="{B53DD9A4-069C-4140-ABEF-DF27182360DA}"/>
+                <a16:creationId xmlns="" xmlns:a16="http://schemas.microsoft.com/office/drawing/2014/main" id="{B53DD9A4-069C-4140-ABEF-DF27182360DA}"/>
               </a:ext>
             </a:extLst>
           </p:cNvPr>
@@ -14547,7 +13884,7 @@
     </p:spTree>
     <p:extLst>
       <p:ext uri="{BB962C8B-B14F-4D97-AF65-F5344CB8AC3E}">
-        <p14:creationId xmlns:p14="http://schemas.microsoft.com/office/powerpoint/2010/main" xmlns="" val="3342478826"/>
+        <p14:creationId xmlns="" xmlns:p14="http://schemas.microsoft.com/office/powerpoint/2010/main" val="3342478826"/>
       </p:ext>
     </p:extLst>
   </p:cSld>
@@ -14870,7 +14207,7 @@
           <p:cNvPr id="9" name="箭號: 向右 8">
             <a:extLst>
               <a:ext uri="{FF2B5EF4-FFF2-40B4-BE49-F238E27FC236}">
-                <a16:creationId xmlns:a16="http://schemas.microsoft.com/office/drawing/2014/main" xmlns="" id="{E074C1E9-B258-4825-ADE6-5023FB911358}"/>
+                <a16:creationId xmlns="" xmlns:a16="http://schemas.microsoft.com/office/drawing/2014/main" id="{E074C1E9-B258-4825-ADE6-5023FB911358}"/>
               </a:ext>
             </a:extLst>
           </p:cNvPr>
@@ -15073,7 +14410,7 @@
     </p:spTree>
     <p:extLst>
       <p:ext uri="{BB962C8B-B14F-4D97-AF65-F5344CB8AC3E}">
-        <p14:creationId xmlns:p14="http://schemas.microsoft.com/office/powerpoint/2010/main" xmlns="" val="852710586"/>
+        <p14:creationId xmlns="" xmlns:p14="http://schemas.microsoft.com/office/powerpoint/2010/main" val="852710586"/>
       </p:ext>
     </p:extLst>
   </p:cSld>
@@ -15382,7 +14719,7 @@
           <p:cNvPr id="9" name="箭號: 向右 8">
             <a:extLst>
               <a:ext uri="{FF2B5EF4-FFF2-40B4-BE49-F238E27FC236}">
-                <a16:creationId xmlns:a16="http://schemas.microsoft.com/office/drawing/2014/main" xmlns="" id="{41DE4F0F-0931-433C-BAF3-E06036E92998}"/>
+                <a16:creationId xmlns="" xmlns:a16="http://schemas.microsoft.com/office/drawing/2014/main" id="{41DE4F0F-0931-433C-BAF3-E06036E92998}"/>
               </a:ext>
             </a:extLst>
           </p:cNvPr>
@@ -15585,7 +14922,7 @@
     </p:spTree>
     <p:extLst>
       <p:ext uri="{BB962C8B-B14F-4D97-AF65-F5344CB8AC3E}">
-        <p14:creationId xmlns:p14="http://schemas.microsoft.com/office/powerpoint/2010/main" xmlns="" val="186830330"/>
+        <p14:creationId xmlns="" xmlns:p14="http://schemas.microsoft.com/office/powerpoint/2010/main" val="186830330"/>
       </p:ext>
     </p:extLst>
   </p:cSld>
@@ -16154,7 +15491,7 @@
     </p:spTree>
     <p:extLst>
       <p:ext uri="{BB962C8B-B14F-4D97-AF65-F5344CB8AC3E}">
-        <p14:creationId xmlns:p14="http://schemas.microsoft.com/office/powerpoint/2010/main" xmlns="" val="964592908"/>
+        <p14:creationId xmlns="" xmlns:p14="http://schemas.microsoft.com/office/powerpoint/2010/main" val="964592908"/>
       </p:ext>
     </p:extLst>
   </p:cSld>
